--- a/CAR PARKING.pptx
+++ b/CAR PARKING.pptx
@@ -3313,7 +3313,7 @@
         <p:spPr bwMode="auto">
           <a:xfrm>
             <a:off x="571472" y="1174084"/>
-            <a:ext cx="8001056" cy="5378194"/>
+            <a:ext cx="8001056" cy="5423268"/>
           </a:xfrm>
           <a:prstGeom prst="rect">
             <a:avLst/>
@@ -3328,11 +3328,133 @@
           <a:effectLst/>
         </p:spPr>
       </p:pic>
+      <p:pic>
+        <p:nvPicPr>
+          <p:cNvPr id="3" name="Picture 2">
+            <a:extLst>
+              <a:ext uri="{FF2B5EF4-FFF2-40B4-BE49-F238E27FC236}">
+                <a16:creationId xmlns:a16="http://schemas.microsoft.com/office/drawing/2014/main" id="{AEA77E4F-2F3E-91D3-2E71-C81CE82C4B72}"/>
+              </a:ext>
+            </a:extLst>
+          </p:cNvPr>
+          <p:cNvPicPr>
+            <a:picLocks noChangeAspect="1" noChangeArrowheads="1"/>
+          </p:cNvPicPr>
+          <p:nvPr/>
+        </p:nvPicPr>
+        <p:blipFill rotWithShape="1">
+          <a:blip r:embed="rId3" cstate="print"/>
+          <a:srcRect l="79209" t="80007" b="-1265"/>
+          <a:stretch/>
+        </p:blipFill>
+        <p:spPr bwMode="auto">
+          <a:xfrm>
+            <a:off x="6952781" y="5445224"/>
+            <a:ext cx="1619747" cy="1179062"/>
+          </a:xfrm>
+          <a:prstGeom prst="rect">
+            <a:avLst/>
+          </a:prstGeom>
+          <a:noFill/>
+          <a:ln w="9525">
+            <a:noFill/>
+            <a:miter lim="800000"/>
+            <a:headEnd/>
+            <a:tailEnd/>
+          </a:ln>
+        </p:spPr>
+      </p:pic>
     </p:spTree>
   </p:cSld>
   <p:clrMapOvr>
     <a:masterClrMapping/>
   </p:clrMapOvr>
+  <p:timing>
+    <p:tnLst>
+      <p:par>
+        <p:cTn id="1" dur="indefinite" restart="never" nodeType="tmRoot">
+          <p:childTnLst>
+            <p:seq concurrent="1" nextAc="seek">
+              <p:cTn id="2" dur="indefinite" nodeType="mainSeq">
+                <p:childTnLst>
+                  <p:par>
+                    <p:cTn id="3" fill="hold">
+                      <p:stCondLst>
+                        <p:cond delay="indefinite"/>
+                        <p:cond evt="onBegin" delay="0">
+                          <p:tn val="2"/>
+                        </p:cond>
+                      </p:stCondLst>
+                      <p:childTnLst>
+                        <p:par>
+                          <p:cTn id="4" fill="hold">
+                            <p:stCondLst>
+                              <p:cond delay="0"/>
+                            </p:stCondLst>
+                            <p:childTnLst>
+                              <p:par>
+                                <p:cTn id="5" presetID="5" presetClass="entr" presetSubtype="10" fill="hold" nodeType="withEffect">
+                                  <p:stCondLst>
+                                    <p:cond delay="0"/>
+                                  </p:stCondLst>
+                                  <p:childTnLst>
+                                    <p:set>
+                                      <p:cBhvr>
+                                        <p:cTn id="6" dur="1" fill="hold">
+                                          <p:stCondLst>
+                                            <p:cond delay="0"/>
+                                          </p:stCondLst>
+                                        </p:cTn>
+                                        <p:tgtEl>
+                                          <p:spTgt spid="3"/>
+                                        </p:tgtEl>
+                                        <p:attrNameLst>
+                                          <p:attrName>style.visibility</p:attrName>
+                                        </p:attrNameLst>
+                                      </p:cBhvr>
+                                      <p:to>
+                                        <p:strVal val="visible"/>
+                                      </p:to>
+                                    </p:set>
+                                    <p:animEffect transition="in" filter="checkerboard(across)">
+                                      <p:cBhvr>
+                                        <p:cTn id="7" dur="500"/>
+                                        <p:tgtEl>
+                                          <p:spTgt spid="3"/>
+                                        </p:tgtEl>
+                                      </p:cBhvr>
+                                    </p:animEffect>
+                                  </p:childTnLst>
+                                </p:cTn>
+                              </p:par>
+                            </p:childTnLst>
+                          </p:cTn>
+                        </p:par>
+                      </p:childTnLst>
+                    </p:cTn>
+                  </p:par>
+                </p:childTnLst>
+              </p:cTn>
+              <p:prevCondLst>
+                <p:cond evt="onPrev" delay="0">
+                  <p:tgtEl>
+                    <p:sldTgt/>
+                  </p:tgtEl>
+                </p:cond>
+              </p:prevCondLst>
+              <p:nextCondLst>
+                <p:cond evt="onNext" delay="0">
+                  <p:tgtEl>
+                    <p:sldTgt/>
+                  </p:tgtEl>
+                </p:cond>
+              </p:nextCondLst>
+            </p:seq>
+          </p:childTnLst>
+        </p:cTn>
+      </p:par>
+    </p:tnLst>
+  </p:timing>
 </p:sld>
 </file>
 
